--- a/JUSIN_TEAMPROJECT_출석부__.pptx
+++ b/JUSIN_TEAMPROJECT_출석부__.pptx
@@ -321,7 +321,7 @@
               <a:rPr lang="ko-KR" altLang="en-US" smtClean="0">
                 <a:latin typeface="맑은 고딕" panose="020B0503020000020004" pitchFamily="50" charset="-127"/>
               </a:rPr>
-              <a:t>2022-04-22</a:t>
+              <a:t>2022-04-29</a:t>
             </a:fld>
             <a:endParaRPr lang="ko-KR" altLang="en-US" dirty="0">
               <a:latin typeface="맑은 고딕" panose="020B0503020000020004" pitchFamily="50" charset="-127"/>
@@ -536,7 +536,7 @@
               <a:pPr>
                 <a:defRPr/>
               </a:pPr>
-              <a:t>2022-04-22</a:t>
+              <a:t>2022-04-29</a:t>
             </a:fld>
             <a:endParaRPr lang="en-US" altLang="ko-KR" dirty="0"/>
           </a:p>
@@ -3646,10 +3646,9 @@
               <a:t>2. </a:t>
             </a:r>
             <a:r>
-              <a:rPr lang="ko-KR" altLang="en-US" dirty="0" err="1"/>
-              <a:t>출석율</a:t>
+              <a:rPr lang="ko-KR" altLang="en-US" dirty="0"/>
+              <a:t>출 석 율</a:t>
             </a:r>
-            <a:endParaRPr lang="ko-KR" altLang="en-US" dirty="0"/>
           </a:p>
         </p:txBody>
       </p:sp>
@@ -3688,7 +3687,7 @@
             </a:r>
             <a:r>
               <a:rPr lang="en-US" altLang="ko-KR" dirty="0"/>
-              <a:t>9</a:t>
+              <a:t>11</a:t>
             </a:r>
             <a:r>
               <a:rPr lang="ko-KR" altLang="en-US" dirty="0"/>
@@ -3704,7 +3703,7 @@
             </a:r>
             <a:r>
               <a:rPr lang="en-US" altLang="ko-KR" dirty="0"/>
-              <a:t>8</a:t>
+              <a:t>19</a:t>
             </a:r>
             <a:r>
               <a:rPr lang="ko-KR" altLang="en-US" dirty="0"/>
@@ -3723,11 +3722,11 @@
             </a:r>
             <a:r>
               <a:rPr lang="ko-KR" altLang="en-US" dirty="0"/>
-              <a:t>오전 </a:t>
+              <a:t>오후 </a:t>
             </a:r>
             <a:r>
               <a:rPr lang="en-US" altLang="ko-KR" dirty="0"/>
-              <a:t>10</a:t>
+              <a:t>1</a:t>
             </a:r>
             <a:r>
               <a:rPr lang="ko-KR" altLang="en-US" dirty="0"/>
@@ -3743,24 +3742,13 @@
             </a:r>
             <a:r>
               <a:rPr lang="en-US" altLang="ko-KR" dirty="0"/>
-              <a:t>6</a:t>
+              <a:t>9</a:t>
             </a:r>
             <a:r>
               <a:rPr lang="ko-KR" altLang="en-US" dirty="0"/>
-              <a:t>시 </a:t>
+              <a:t>시</a:t>
             </a:r>
-            <a:r>
-              <a:rPr lang="en-US" altLang="ko-KR" dirty="0"/>
-              <a:t>( </a:t>
-            </a:r>
-            <a:r>
-              <a:rPr lang="ko-KR" altLang="en-US" dirty="0"/>
-              <a:t>오프라인 </a:t>
-            </a:r>
-            <a:r>
-              <a:rPr lang="en-US" altLang="ko-KR" dirty="0"/>
-              <a:t>)</a:t>
-            </a:r>
+            <a:endParaRPr lang="en-US" altLang="ko-KR" dirty="0"/>
           </a:p>
         </p:txBody>
       </p:sp>
@@ -3779,7 +3767,7 @@
           <p:nvPr>
             <p:extLst>
               <p:ext uri="{D42A27DB-BD31-4B8C-83A1-F6EECF244321}">
-                <p14:modId xmlns:p14="http://schemas.microsoft.com/office/powerpoint/2010/main" val="1844569829"/>
+                <p14:modId xmlns:p14="http://schemas.microsoft.com/office/powerpoint/2010/main" val="2805051002"/>
               </p:ext>
             </p:extLst>
           </p:nvPr>
@@ -4146,7 +4134,7 @@
                           <a:ea typeface="+mn-ea"/>
                           <a:cs typeface="+mn-cs"/>
                         </a:rPr>
-                        <a:t>22</a:t>
+                        <a:t>29</a:t>
                       </a:r>
                       <a:r>
                         <a:rPr lang="ko-KR" altLang="en-US" sz="1100" b="0" kern="0" spc="-50" dirty="0">
@@ -4393,7 +4381,7 @@
                           <a:ea typeface="+mn-ea"/>
                           <a:cs typeface="+mn-cs"/>
                         </a:rPr>
-                        <a:t>23</a:t>
+                        <a:t>30</a:t>
                       </a:r>
                       <a:r>
                         <a:rPr lang="ko-KR" altLang="en-US" sz="1100" b="0" kern="0" spc="-50" dirty="0">
@@ -4640,7 +4628,47 @@
                           <a:ea typeface="+mn-ea"/>
                           <a:cs typeface="+mn-cs"/>
                         </a:rPr>
-                        <a:t>24</a:t>
+                        <a:t>5</a:t>
+                      </a:r>
+                      <a:r>
+                        <a:rPr lang="ko-KR" altLang="en-US" sz="1100" b="0" kern="0" spc="-50" dirty="0">
+                          <a:ln w="1270">
+                            <a:solidFill>
+                              <a:schemeClr val="tx1">
+                                <a:lumMod val="65000"/>
+                                <a:lumOff val="35000"/>
+                                <a:alpha val="11000"/>
+                              </a:schemeClr>
+                            </a:solidFill>
+                          </a:ln>
+                          <a:solidFill>
+                            <a:schemeClr val="bg1"/>
+                          </a:solidFill>
+                          <a:latin typeface="맑은 고딕" panose="020B0503020000020004" pitchFamily="50" charset="-127"/>
+                          <a:ea typeface="+mn-ea"/>
+                          <a:cs typeface="+mn-cs"/>
+                        </a:rPr>
+                        <a:t>월 </a:t>
+                      </a:r>
+                      <a:r>
+                        <a:rPr lang="en-US" altLang="ko-KR" sz="1100" b="0" kern="0" spc="-50" dirty="0">
+                          <a:ln w="1270">
+                            <a:solidFill>
+                              <a:schemeClr val="tx1">
+                                <a:lumMod val="65000"/>
+                                <a:lumOff val="35000"/>
+                                <a:alpha val="11000"/>
+                              </a:schemeClr>
+                            </a:solidFill>
+                          </a:ln>
+                          <a:solidFill>
+                            <a:schemeClr val="bg1"/>
+                          </a:solidFill>
+                          <a:latin typeface="맑은 고딕" panose="020B0503020000020004" pitchFamily="50" charset="-127"/>
+                          <a:ea typeface="+mn-ea"/>
+                          <a:cs typeface="+mn-cs"/>
+                        </a:rPr>
+                        <a:t>1</a:t>
                       </a:r>
                       <a:r>
                         <a:rPr lang="ko-KR" altLang="en-US" sz="1100" b="0" kern="0" spc="-50" dirty="0">
@@ -4887,7 +4915,7 @@
                           <a:ea typeface="+mn-ea"/>
                           <a:cs typeface="+mn-cs"/>
                         </a:rPr>
-                        <a:t>25</a:t>
+                        <a:t>2</a:t>
                       </a:r>
                       <a:r>
                         <a:rPr lang="ko-KR" altLang="en-US" sz="1100" b="0" kern="0" spc="-50" dirty="0">
@@ -5035,7 +5063,7 @@
                     <a:p>
                       <a:pPr algn="ctr" rtl="0" fontAlgn="ctr"/>
                       <a:r>
-                        <a:rPr lang="ko-KR" altLang="en-US" sz="1100" b="0" kern="0" spc="-50" dirty="0" err="1">
+                        <a:rPr lang="ko-KR" altLang="en-US" sz="1100" b="0" kern="0" spc="-50" dirty="0">
                           <a:ln w="1270">
                             <a:solidFill>
                               <a:schemeClr val="tx1">
@@ -5052,7 +5080,7 @@
                           <a:ea typeface="+mn-ea"/>
                           <a:cs typeface="+mn-cs"/>
                         </a:rPr>
-                        <a:t>출석율</a:t>
+                        <a:t>출 석 율</a:t>
                       </a:r>
                       <a:endParaRPr lang="en-US" altLang="ko-KR" sz="1100" b="0" kern="0" spc="-50" dirty="0">
                         <a:ln w="1270">
@@ -6002,7 +6030,7 @@
                           <a:ea typeface="+mn-ea"/>
                           <a:cs typeface="+mn-cs"/>
                         </a:rPr>
-                        <a:t>김정은</a:t>
+                        <a:t>송준규</a:t>
                       </a:r>
                       <a:endParaRPr lang="en-US" altLang="ko-KR" sz="1100" b="0" kern="0" spc="-50" dirty="0">
                         <a:ln w="1270">
@@ -6196,7 +6224,7 @@
                           <a:ea typeface="맑은 고딕" panose="020B0503020000020004" pitchFamily="50" charset="-127"/>
                           <a:cs typeface="+mn-cs"/>
                         </a:rPr>
-                        <a:t>8 : 00 </a:t>
+                        <a:t>10 : 30 </a:t>
                       </a:r>
                       <a:r>
                         <a:rPr kumimoji="0" lang="ko-KR" altLang="en-US" sz="1000" b="0" kern="0" spc="0" dirty="0">
@@ -7280,7 +7308,7 @@
                           <a:ea typeface="+mn-ea"/>
                           <a:cs typeface="+mn-cs"/>
                         </a:rPr>
-                        <a:t>박유민</a:t>
+                        <a:t>김수영</a:t>
                       </a:r>
                       <a:endParaRPr lang="en-US" altLang="ko-KR" sz="1100" b="0" kern="0" spc="-50" dirty="0">
                         <a:ln w="1270">
@@ -7495,7 +7523,7 @@
                           <a:ea typeface="맑은 고딕" panose="020B0503020000020004" pitchFamily="50" charset="-127"/>
                           <a:cs typeface="+mn-cs"/>
                         </a:rPr>
-                        <a:t>8 : 00 </a:t>
+                        <a:t>10 : 30 </a:t>
                       </a:r>
                       <a:r>
                         <a:rPr kumimoji="0" lang="ko-KR" altLang="en-US" sz="1000" b="0" i="0" u="none" strike="noStrike" kern="0" cap="none" spc="0" normalizeH="0" baseline="0" noProof="0" dirty="0">
@@ -8500,7 +8528,7 @@
                         <a:tabLst/>
                       </a:pPr>
                       <a:r>
-                        <a:rPr lang="ko-KR" altLang="en-US" sz="1100" b="0" kern="0" spc="-50" dirty="0" err="1">
+                        <a:rPr lang="ko-KR" altLang="en-US" sz="1100" b="0" kern="0" spc="-50" dirty="0">
                           <a:ln w="1270">
                             <a:solidFill>
                               <a:schemeClr val="tx1">
@@ -8517,7 +8545,7 @@
                           <a:ea typeface="+mn-ea"/>
                           <a:cs typeface="+mn-cs"/>
                         </a:rPr>
-                        <a:t>박홍준</a:t>
+                        <a:t>박유민</a:t>
                       </a:r>
                       <a:endParaRPr lang="en-US" altLang="ko-KR" sz="1100" b="0" kern="0" spc="-50" dirty="0">
                         <a:ln w="1270">
@@ -8732,7 +8760,7 @@
                           <a:ea typeface="맑은 고딕" panose="020B0503020000020004" pitchFamily="50" charset="-127"/>
                           <a:cs typeface="+mn-cs"/>
                         </a:rPr>
-                        <a:t>8 : 00 </a:t>
+                        <a:t>10 : 30 </a:t>
                       </a:r>
                       <a:r>
                         <a:rPr kumimoji="0" lang="ko-KR" altLang="en-US" sz="1000" b="0" i="0" u="none" strike="noStrike" kern="0" cap="none" spc="0" normalizeH="0" baseline="0" noProof="0" dirty="0">
@@ -9573,7 +9601,7 @@
                         <a:tabLst/>
                       </a:pPr>
                       <a:r>
-                        <a:rPr lang="ko-KR" altLang="en-US" sz="1100" b="0" kern="0" spc="-50" dirty="0" err="1">
+                        <a:rPr lang="ko-KR" altLang="en-US" sz="1100" b="0" kern="0" spc="-50" dirty="0">
                           <a:ln w="1270">
                             <a:solidFill>
                               <a:schemeClr val="tx1">
@@ -9590,25 +9618,8 @@
                           <a:ea typeface="+mn-ea"/>
                           <a:cs typeface="+mn-cs"/>
                         </a:rPr>
-                        <a:t>윤서진</a:t>
+                        <a:t>우민성</a:t>
                       </a:r>
-                      <a:endParaRPr lang="ko-KR" altLang="en-US" sz="1100" b="0" kern="0" spc="-50" dirty="0">
-                        <a:ln w="1270">
-                          <a:solidFill>
-                            <a:schemeClr val="tx1">
-                              <a:lumMod val="65000"/>
-                              <a:lumOff val="35000"/>
-                              <a:alpha val="11000"/>
-                            </a:schemeClr>
-                          </a:solidFill>
-                        </a:ln>
-                        <a:solidFill>
-                          <a:schemeClr val="tx1"/>
-                        </a:solidFill>
-                        <a:latin typeface="맑은 고딕" panose="020B0503020000020004" pitchFamily="50" charset="-127"/>
-                        <a:ea typeface="+mn-ea"/>
-                        <a:cs typeface="+mn-cs"/>
-                      </a:endParaRPr>
                     </a:p>
                   </a:txBody>
                   <a:tcPr marL="8094" marR="8094" marT="0" marB="0" anchor="ctr" horzOverflow="overflow">
@@ -9805,7 +9816,7 @@
                           <a:ea typeface="맑은 고딕" panose="020B0503020000020004" pitchFamily="50" charset="-127"/>
                           <a:cs typeface="+mn-cs"/>
                         </a:rPr>
-                        <a:t>8 : 00 </a:t>
+                        <a:t>10 : 30 </a:t>
                       </a:r>
                       <a:r>
                         <a:rPr kumimoji="0" lang="ko-KR" altLang="en-US" sz="1000" b="0" i="0" u="none" strike="noStrike" kern="0" cap="none" spc="0" normalizeH="0" baseline="0" noProof="0" dirty="0">
